--- a/materials/slides/ch09.pptx
+++ b/materials/slides/ch09.pptx
@@ -149,7 +149,7 @@
   </p:defaultTextStyle>
   <p:extLst>
     <p:ext uri="{EFAFB233-063F-42B5-8137-9DF3F51BA10A}">
-      <p15:sldGuideLst xmlns:p15="http://schemas.microsoft.com/office/powerpoint/2012/main">
+      <p15:sldGuideLst xmlns="" xmlns:p15="http://schemas.microsoft.com/office/powerpoint/2012/main">
         <p15:guide id="1" orient="horz" pos="2160" userDrawn="1">
           <p15:clr>
             <a:srgbClr val="A4A3A4"/>
@@ -171,7 +171,7 @@
   <p:cmAuthor id="1" name="Eetze" initials="E" lastIdx="1" clrIdx="0">
     <p:extLst>
       <p:ext uri="{19B8F6BF-5375-455C-9EA6-DF929625EA0E}">
-        <p15:presenceInfo xmlns:p15="http://schemas.microsoft.com/office/powerpoint/2012/main" userId="Eetze" providerId="None"/>
+        <p15:presenceInfo xmlns="" xmlns:p15="http://schemas.microsoft.com/office/powerpoint/2012/main" userId="Eetze" providerId="None"/>
       </p:ext>
     </p:extLst>
   </p:cmAuthor>
@@ -260,7 +260,7 @@
           <a:p>
             <a:fld id="{A097A4FE-15A4-4468-9890-CEB24014ACB3}" type="datetimeFigureOut">
               <a:rPr lang="zh-CN" altLang="en-US" smtClean="0"/>
-              <a:t>2018/4/2</a:t>
+              <a:t>2018/11/6</a:t>
             </a:fld>
             <a:endParaRPr lang="zh-CN" altLang="en-US"/>
           </a:p>
@@ -5247,7 +5247,7 @@
           <a:p>
             <a:fld id="{530820CF-B880-4189-942D-D702A7CBA730}" type="datetimeFigureOut">
               <a:rPr lang="zh-CN" altLang="en-US" smtClean="0"/>
-              <a:t>2018/4/2</a:t>
+              <a:t>2018/11/6</a:t>
             </a:fld>
             <a:endParaRPr lang="zh-CN" altLang="en-US"/>
           </a:p>
@@ -5366,7 +5366,7 @@
           <a:p>
             <a:fld id="{530820CF-B880-4189-942D-D702A7CBA730}" type="datetimeFigureOut">
               <a:rPr lang="zh-CN" altLang="en-US" smtClean="0"/>
-              <a:t>2018/4/2</a:t>
+              <a:t>2018/11/6</a:t>
             </a:fld>
             <a:endParaRPr lang="zh-CN" altLang="en-US"/>
           </a:p>
@@ -5769,7 +5769,7 @@
           <a:p>
             <a:fld id="{530820CF-B880-4189-942D-D702A7CBA730}" type="datetimeFigureOut">
               <a:rPr lang="zh-CN" altLang="en-US" smtClean="0"/>
-              <a:t>2018/4/2</a:t>
+              <a:t>2018/11/6</a:t>
             </a:fld>
             <a:endParaRPr lang="zh-CN" altLang="en-US"/>
           </a:p>
@@ -6467,7 +6467,7 @@
               <a:t>CP</a:t>
             </a:r>
             <a:r>
-              <a:rPr lang="zh-CN" altLang="en-US" smtClean="0">
+              <a:rPr lang="zh-CN" altLang="en-US" dirty="0" smtClean="0">
                 <a:solidFill>
                   <a:schemeClr val="tx1">
                     <a:lumMod val="85000"/>
@@ -6478,7 +6478,7 @@
               <a:t>操作</a:t>
             </a:r>
             <a:r>
-              <a:rPr lang="en-US" altLang="zh-CN" smtClean="0">
+              <a:rPr lang="en-US" altLang="zh-CN" dirty="0" smtClean="0">
                 <a:solidFill>
                   <a:schemeClr val="tx1">
                     <a:lumMod val="85000"/>
@@ -6489,7 +6489,7 @@
               <a:t>Uri</a:t>
             </a:r>
             <a:r>
-              <a:rPr lang="zh-CN" altLang="en-US" smtClean="0">
+              <a:rPr lang="zh-CN" altLang="en-US" dirty="0" smtClean="0">
                 <a:solidFill>
                   <a:schemeClr val="tx1">
                     <a:lumMod val="85000"/>
@@ -6562,18 +6562,7 @@
                   </a:schemeClr>
                 </a:solidFill>
               </a:rPr>
-              <a:t>：</a:t>
-            </a:r>
-            <a:r>
-              <a:rPr lang="zh-CN" altLang="en-US" smtClean="0">
-                <a:solidFill>
-                  <a:schemeClr val="tx1">
-                    <a:lumMod val="85000"/>
-                    <a:lumOff val="15000"/>
-                  </a:schemeClr>
-                </a:solidFill>
-              </a:rPr>
-              <a:t>构造方法。</a:t>
+              <a:t>：构造方法。</a:t>
             </a:r>
             <a:endParaRPr lang="en-US" altLang="zh-CN" dirty="0" smtClean="0">
               <a:solidFill>
@@ -6628,21 +6617,10 @@
                   </a:schemeClr>
                 </a:solidFill>
               </a:rPr>
-              <a:t>对象</a:t>
-            </a:r>
-            <a:r>
-              <a:rPr lang="zh-CN" altLang="en-US" smtClean="0">
-                <a:solidFill>
-                  <a:schemeClr val="tx1">
-                    <a:lumMod val="85000"/>
-                    <a:lumOff val="15000"/>
-                  </a:schemeClr>
-                </a:solidFill>
-              </a:rPr>
-              <a:t>注册</a:t>
-            </a:r>
-            <a:r>
-              <a:rPr lang="en-US" altLang="zh-CN" smtClean="0">
+              <a:t>对象注册</a:t>
+            </a:r>
+            <a:r>
+              <a:rPr lang="en-US" altLang="zh-CN" dirty="0" smtClean="0">
                 <a:solidFill>
                   <a:schemeClr val="tx1">
                     <a:lumMod val="85000"/>
@@ -6653,7 +6631,7 @@
               <a:t>Uri</a:t>
             </a:r>
             <a:r>
-              <a:rPr lang="zh-CN" altLang="en-US" smtClean="0">
+              <a:rPr lang="zh-CN" altLang="en-US" dirty="0" smtClean="0">
                 <a:solidFill>
                   <a:schemeClr val="tx1">
                     <a:lumMod val="85000"/>
@@ -6741,7 +6719,7 @@
               <a:t>对应的标识码，找不到则返回</a:t>
             </a:r>
             <a:r>
-              <a:rPr lang="en-US" altLang="zh-CN" smtClean="0">
+              <a:rPr lang="en-US" altLang="zh-CN" dirty="0" smtClean="0">
                 <a:solidFill>
                   <a:schemeClr val="tx1">
                     <a:lumMod val="85000"/>
@@ -6752,7 +6730,7 @@
               <a:t>-1</a:t>
             </a:r>
             <a:r>
-              <a:rPr lang="zh-CN" altLang="en-US" smtClean="0">
+              <a:rPr lang="zh-CN" altLang="en-US" dirty="0" smtClean="0">
                 <a:solidFill>
                   <a:schemeClr val="tx1">
                     <a:lumMod val="85000"/>
@@ -7116,19 +7094,7 @@
           <a:p>
             <a:r>
               <a:rPr lang="en-US" altLang="zh-CN" smtClean="0"/>
-              <a:t>matcher.match(Uri.parse</a:t>
-            </a:r>
-            <a:r>
-              <a:rPr lang="en-US" altLang="zh-CN" smtClean="0"/>
-              <a:t>("content</a:t>
-            </a:r>
-            <a:r>
-              <a:rPr lang="en-US" altLang="zh-CN" smtClean="0"/>
-              <a:t>://</a:t>
-            </a:r>
-            <a:r>
-              <a:rPr lang="en-US" altLang="zh-CN" smtClean="0"/>
-              <a:t>org.providers.prods/words"));  </a:t>
+              <a:t>matcher.match(Uri.parse("content://org.providers.prods/words"));  </a:t>
             </a:r>
             <a:r>
               <a:rPr lang="en-US" altLang="zh-CN" smtClean="0">
@@ -11540,7 +11506,7 @@
           </a:lstStyle>
           <a:p>
             <a:r>
-              <a:rPr lang="en-US" altLang="zh-CN" smtClean="0">
+              <a:rPr lang="en-US" altLang="zh-CN" dirty="0" smtClean="0">
                 <a:solidFill>
                   <a:srgbClr val="00B050"/>
                 </a:solidFill>
@@ -11548,7 +11514,7 @@
               <a:t>// </a:t>
             </a:r>
             <a:r>
-              <a:rPr lang="zh-CN" altLang="en-US" b="0" smtClean="0">
+              <a:rPr lang="zh-CN" altLang="en-US" b="0" dirty="0" smtClean="0">
                 <a:solidFill>
                   <a:srgbClr val="00B050"/>
                 </a:solidFill>
@@ -11556,7 +11522,7 @@
               <a:t>向</a:t>
             </a:r>
             <a:r>
-              <a:rPr lang="en-US" altLang="zh-CN" b="0">
+              <a:rPr lang="en-US" altLang="zh-CN" b="0" dirty="0">
                 <a:solidFill>
                   <a:srgbClr val="00B050"/>
                 </a:solidFill>
@@ -11564,7 +11530,7 @@
               <a:t>Uri</a:t>
             </a:r>
             <a:r>
-              <a:rPr lang="zh-CN" altLang="en-US" b="0">
+              <a:rPr lang="zh-CN" altLang="en-US" b="0" dirty="0">
                 <a:solidFill>
                   <a:srgbClr val="00B050"/>
                 </a:solidFill>
@@ -11572,7 +11538,7 @@
               <a:t>对应的</a:t>
             </a:r>
             <a:r>
-              <a:rPr lang="en-US" altLang="zh-CN" b="0">
+              <a:rPr lang="en-US" altLang="zh-CN" b="0" dirty="0" err="1">
                 <a:solidFill>
                   <a:srgbClr val="00B050"/>
                 </a:solidFill>
@@ -11580,7 +11546,7 @@
               <a:t>ContentProvider</a:t>
             </a:r>
             <a:r>
-              <a:rPr lang="zh-CN" altLang="en-US" b="0">
+              <a:rPr lang="zh-CN" altLang="en-US" b="0" dirty="0">
                 <a:solidFill>
                   <a:srgbClr val="00B050"/>
                 </a:solidFill>
@@ -11588,7 +11554,7 @@
               <a:t>中插入</a:t>
             </a:r>
             <a:r>
-              <a:rPr lang="en-US" altLang="zh-CN" b="0">
+              <a:rPr lang="en-US" altLang="zh-CN" b="0" dirty="0">
                 <a:solidFill>
                   <a:srgbClr val="00B050"/>
                 </a:solidFill>
@@ -11596,7 +11562,7 @@
               <a:t>values</a:t>
             </a:r>
             <a:r>
-              <a:rPr lang="zh-CN" altLang="en-US" b="0">
+              <a:rPr lang="zh-CN" altLang="en-US" b="0" dirty="0">
                 <a:solidFill>
                   <a:srgbClr val="00B050"/>
                 </a:solidFill>
@@ -11604,14 +11570,14 @@
               <a:t>对应的</a:t>
             </a:r>
             <a:r>
-              <a:rPr lang="zh-CN" altLang="en-US" b="0" smtClean="0">
+              <a:rPr lang="zh-CN" altLang="en-US" b="0" dirty="0" smtClean="0">
                 <a:solidFill>
                   <a:srgbClr val="00B050"/>
                 </a:solidFill>
               </a:rPr>
               <a:t>数据</a:t>
             </a:r>
-            <a:endParaRPr lang="en-US" altLang="zh-CN" b="0" smtClean="0">
+            <a:endParaRPr lang="en-US" altLang="zh-CN" b="0" dirty="0" smtClean="0">
               <a:solidFill>
                 <a:srgbClr val="00B050"/>
               </a:solidFill>
@@ -11619,21 +11585,25 @@
           </a:p>
           <a:p>
             <a:r>
-              <a:rPr lang="en-US" altLang="zh-CN" smtClean="0"/>
+              <a:rPr lang="en-US" altLang="zh-CN" dirty="0" smtClean="0"/>
               <a:t>insert(Uri </a:t>
             </a:r>
             <a:r>
-              <a:rPr lang="en-US" altLang="zh-CN"/>
-              <a:t>uri,ContentValues values</a:t>
-            </a:r>
-            <a:r>
-              <a:rPr lang="en-US" altLang="zh-CN" smtClean="0"/>
+              <a:rPr lang="en-US" altLang="zh-CN" dirty="0" err="1"/>
+              <a:t>uri,ContentValues</a:t>
+            </a:r>
+            <a:r>
+              <a:rPr lang="en-US" altLang="zh-CN" dirty="0"/>
+              <a:t> values</a:t>
+            </a:r>
+            <a:r>
+              <a:rPr lang="en-US" altLang="zh-CN" dirty="0" smtClean="0"/>
               <a:t>)</a:t>
             </a:r>
           </a:p>
           <a:p>
             <a:r>
-              <a:rPr lang="en-US" altLang="zh-CN" smtClean="0">
+              <a:rPr lang="en-US" altLang="zh-CN" dirty="0" smtClean="0">
                 <a:solidFill>
                   <a:srgbClr val="00B050"/>
                 </a:solidFill>
@@ -11641,7 +11611,7 @@
               <a:t>//</a:t>
             </a:r>
             <a:r>
-              <a:rPr lang="zh-CN" altLang="en-US" b="0" smtClean="0">
+              <a:rPr lang="zh-CN" altLang="en-US" b="0" dirty="0" smtClean="0">
                 <a:solidFill>
                   <a:srgbClr val="00B050"/>
                 </a:solidFill>
@@ -11649,7 +11619,7 @@
               <a:t> </a:t>
             </a:r>
             <a:r>
-              <a:rPr lang="zh-CN" altLang="en-US" b="0">
+              <a:rPr lang="zh-CN" altLang="en-US" b="0" dirty="0">
                 <a:solidFill>
                   <a:srgbClr val="00B050"/>
                 </a:solidFill>
@@ -11657,7 +11627,7 @@
               <a:t>删除</a:t>
             </a:r>
             <a:r>
-              <a:rPr lang="en-US" altLang="zh-CN" b="0">
+              <a:rPr lang="en-US" altLang="zh-CN" b="0" dirty="0">
                 <a:solidFill>
                   <a:srgbClr val="00B050"/>
                 </a:solidFill>
@@ -11665,7 +11635,7 @@
               <a:t>Uri</a:t>
             </a:r>
             <a:r>
-              <a:rPr lang="zh-CN" altLang="en-US" b="0">
+              <a:rPr lang="zh-CN" altLang="en-US" b="0" dirty="0">
                 <a:solidFill>
                   <a:srgbClr val="00B050"/>
                 </a:solidFill>
@@ -11673,7 +11643,7 @@
               <a:t>对应的</a:t>
             </a:r>
             <a:r>
-              <a:rPr lang="en-US" altLang="zh-CN" b="0">
+              <a:rPr lang="en-US" altLang="zh-CN" b="0" dirty="0" err="1">
                 <a:solidFill>
                   <a:srgbClr val="00B050"/>
                 </a:solidFill>
@@ -11681,7 +11651,7 @@
               <a:t>ContentProvider</a:t>
             </a:r>
             <a:r>
-              <a:rPr lang="zh-CN" altLang="en-US" b="0">
+              <a:rPr lang="zh-CN" altLang="en-US" b="0" dirty="0">
                 <a:solidFill>
                   <a:srgbClr val="00B050"/>
                 </a:solidFill>
@@ -11689,7 +11659,7 @@
               <a:t>中</a:t>
             </a:r>
             <a:r>
-              <a:rPr lang="en-US" altLang="zh-CN" b="0">
+              <a:rPr lang="en-US" altLang="zh-CN" b="0" dirty="0" smtClean="0">
                 <a:solidFill>
                   <a:srgbClr val="00B050"/>
                 </a:solidFill>
@@ -11697,22 +11667,38 @@
               <a:t>where</a:t>
             </a:r>
             <a:r>
-              <a:rPr lang="zh-CN" altLang="en-US" b="0">
+              <a:rPr lang="zh-CN" altLang="en-US" b="0" dirty="0">
                 <a:solidFill>
                   <a:srgbClr val="00B050"/>
                 </a:solidFill>
               </a:rPr>
-              <a:t>提交匹配的</a:t>
-            </a:r>
-            <a:r>
-              <a:rPr lang="zh-CN" altLang="en-US" b="0" smtClean="0">
+              <a:t>条件</a:t>
+            </a:r>
+            <a:r>
+              <a:rPr lang="zh-CN" altLang="en-US" b="0" dirty="0" smtClean="0">
                 <a:solidFill>
                   <a:srgbClr val="00B050"/>
                 </a:solidFill>
               </a:rPr>
+              <a:t>匹配</a:t>
+            </a:r>
+            <a:r>
+              <a:rPr lang="zh-CN" altLang="en-US" b="0" dirty="0">
+                <a:solidFill>
+                  <a:srgbClr val="00B050"/>
+                </a:solidFill>
+              </a:rPr>
+              <a:t>的</a:t>
+            </a:r>
+            <a:r>
+              <a:rPr lang="zh-CN" altLang="en-US" b="0" dirty="0" smtClean="0">
+                <a:solidFill>
+                  <a:srgbClr val="00B050"/>
+                </a:solidFill>
+              </a:rPr>
               <a:t>数据</a:t>
             </a:r>
-            <a:endParaRPr lang="zh-CN" altLang="en-US" b="0">
+            <a:endParaRPr lang="zh-CN" altLang="en-US" b="0" dirty="0">
               <a:solidFill>
                 <a:srgbClr val="00B050"/>
               </a:solidFill>
@@ -11720,17 +11706,29 @@
           </a:p>
           <a:p>
             <a:r>
-              <a:rPr lang="en-US" altLang="zh-CN"/>
-              <a:t>delete(Uri uri, String where, String[] selectionArgs</a:t>
-            </a:r>
-            <a:r>
-              <a:rPr lang="en-US" altLang="zh-CN" smtClean="0"/>
+              <a:rPr lang="en-US" altLang="zh-CN" dirty="0"/>
+              <a:t>delete(Uri </a:t>
+            </a:r>
+            <a:r>
+              <a:rPr lang="en-US" altLang="zh-CN" dirty="0" err="1"/>
+              <a:t>uri</a:t>
+            </a:r>
+            <a:r>
+              <a:rPr lang="en-US" altLang="zh-CN" dirty="0"/>
+              <a:t>, String where, String[] </a:t>
+            </a:r>
+            <a:r>
+              <a:rPr lang="en-US" altLang="zh-CN" dirty="0" err="1"/>
+              <a:t>selectionArgs</a:t>
+            </a:r>
+            <a:r>
+              <a:rPr lang="en-US" altLang="zh-CN" dirty="0" smtClean="0"/>
               <a:t>)</a:t>
             </a:r>
           </a:p>
           <a:p>
             <a:r>
-              <a:rPr lang="en-US" altLang="zh-CN" smtClean="0">
+              <a:rPr lang="en-US" altLang="zh-CN" dirty="0" smtClean="0">
                 <a:solidFill>
                   <a:srgbClr val="00B050"/>
                 </a:solidFill>
@@ -11738,7 +11736,7 @@
               <a:t>//</a:t>
             </a:r>
             <a:r>
-              <a:rPr lang="zh-CN" altLang="en-US" b="0" smtClean="0">
+              <a:rPr lang="zh-CN" altLang="en-US" b="0" dirty="0" smtClean="0">
                 <a:solidFill>
                   <a:srgbClr val="00B050"/>
                 </a:solidFill>
@@ -11746,7 +11744,7 @@
               <a:t> </a:t>
             </a:r>
             <a:r>
-              <a:rPr lang="zh-CN" altLang="en-US" b="0">
+              <a:rPr lang="zh-CN" altLang="en-US" b="0" dirty="0">
                 <a:solidFill>
                   <a:srgbClr val="00B050"/>
                 </a:solidFill>
@@ -11754,7 +11752,7 @@
               <a:t>更新</a:t>
             </a:r>
             <a:r>
-              <a:rPr lang="en-US" altLang="zh-CN" b="0">
+              <a:rPr lang="en-US" altLang="zh-CN" b="0" dirty="0">
                 <a:solidFill>
                   <a:srgbClr val="00B050"/>
                 </a:solidFill>
@@ -11762,7 +11760,7 @@
               <a:t>Uri</a:t>
             </a:r>
             <a:r>
-              <a:rPr lang="zh-CN" altLang="en-US" b="0">
+              <a:rPr lang="zh-CN" altLang="en-US" b="0" dirty="0">
                 <a:solidFill>
                   <a:srgbClr val="00B050"/>
                 </a:solidFill>
@@ -11770,7 +11768,7 @@
               <a:t>对应的</a:t>
             </a:r>
             <a:r>
-              <a:rPr lang="en-US" altLang="zh-CN" b="0" smtClean="0">
+              <a:rPr lang="en-US" altLang="zh-CN" b="0" dirty="0" err="1" smtClean="0">
                 <a:solidFill>
                   <a:srgbClr val="00B050"/>
                 </a:solidFill>
@@ -11778,7 +11776,7 @@
               <a:t>ContentProvider</a:t>
             </a:r>
             <a:r>
-              <a:rPr lang="zh-CN" altLang="en-US" b="0">
+              <a:rPr lang="zh-CN" altLang="en-US" b="0" dirty="0">
                 <a:solidFill>
                   <a:srgbClr val="00B050"/>
                 </a:solidFill>
@@ -11786,7 +11784,7 @@
               <a:t>中</a:t>
             </a:r>
             <a:r>
-              <a:rPr lang="en-US" altLang="zh-CN" b="0">
+              <a:rPr lang="en-US" altLang="zh-CN" b="0" dirty="0" smtClean="0">
                 <a:solidFill>
                   <a:srgbClr val="00B050"/>
                 </a:solidFill>
@@ -11794,22 +11792,38 @@
               <a:t>where</a:t>
             </a:r>
             <a:r>
-              <a:rPr lang="zh-CN" altLang="en-US" b="0">
+              <a:rPr lang="zh-CN" altLang="en-US" b="0" dirty="0">
                 <a:solidFill>
                   <a:srgbClr val="00B050"/>
                 </a:solidFill>
               </a:rPr>
-              <a:t>提交匹配的</a:t>
-            </a:r>
-            <a:r>
-              <a:rPr lang="zh-CN" altLang="en-US" b="0" smtClean="0">
+              <a:t>条件</a:t>
+            </a:r>
+            <a:r>
+              <a:rPr lang="zh-CN" altLang="en-US" b="0" dirty="0" smtClean="0">
                 <a:solidFill>
                   <a:srgbClr val="00B050"/>
                 </a:solidFill>
               </a:rPr>
+              <a:t>匹配</a:t>
+            </a:r>
+            <a:r>
+              <a:rPr lang="zh-CN" altLang="en-US" b="0" dirty="0">
+                <a:solidFill>
+                  <a:srgbClr val="00B050"/>
+                </a:solidFill>
+              </a:rPr>
+              <a:t>的</a:t>
+            </a:r>
+            <a:r>
+              <a:rPr lang="zh-CN" altLang="en-US" b="0" dirty="0" smtClean="0">
+                <a:solidFill>
+                  <a:srgbClr val="00B050"/>
+                </a:solidFill>
+              </a:rPr>
               <a:t>数据</a:t>
             </a:r>
-            <a:endParaRPr lang="zh-CN" altLang="en-US" b="0">
+            <a:endParaRPr lang="zh-CN" altLang="en-US" b="0" dirty="0">
               <a:solidFill>
                 <a:srgbClr val="00B050"/>
               </a:solidFill>
@@ -11817,40 +11831,60 @@
           </a:p>
           <a:p>
             <a:r>
-              <a:rPr lang="en-US" altLang="zh-CN"/>
-              <a:t>update(Uri uri, ContentValues values</a:t>
-            </a:r>
-            <a:r>
-              <a:rPr lang="en-US" altLang="zh-CN" smtClean="0"/>
+              <a:rPr lang="en-US" altLang="zh-CN" dirty="0"/>
+              <a:t>update(Uri </a:t>
+            </a:r>
+            <a:r>
+              <a:rPr lang="en-US" altLang="zh-CN" dirty="0" err="1"/>
+              <a:t>uri</a:t>
+            </a:r>
+            <a:r>
+              <a:rPr lang="en-US" altLang="zh-CN" dirty="0"/>
+              <a:t>, </a:t>
+            </a:r>
+            <a:r>
+              <a:rPr lang="en-US" altLang="zh-CN" dirty="0" err="1"/>
+              <a:t>ContentValues</a:t>
+            </a:r>
+            <a:r>
+              <a:rPr lang="en-US" altLang="zh-CN" dirty="0"/>
+              <a:t> values</a:t>
+            </a:r>
+            <a:r>
+              <a:rPr lang="en-US" altLang="zh-CN" dirty="0" smtClean="0"/>
               <a:t>, String </a:t>
             </a:r>
             <a:r>
-              <a:rPr lang="en-US" altLang="zh-CN"/>
+              <a:rPr lang="en-US" altLang="zh-CN" dirty="0"/>
               <a:t>where, </a:t>
             </a:r>
-            <a:endParaRPr lang="en-US" altLang="zh-CN" smtClean="0"/>
-          </a:p>
-          <a:p>
-            <a:r>
-              <a:rPr lang="en-US" altLang="zh-CN"/>
+            <a:endParaRPr lang="en-US" altLang="zh-CN" dirty="0" smtClean="0"/>
+          </a:p>
+          <a:p>
+            <a:r>
+              <a:rPr lang="en-US" altLang="zh-CN" dirty="0"/>
               <a:t> </a:t>
             </a:r>
             <a:r>
-              <a:rPr lang="en-US" altLang="zh-CN" smtClean="0"/>
+              <a:rPr lang="en-US" altLang="zh-CN" dirty="0" smtClean="0"/>
               <a:t>      String</a:t>
             </a:r>
             <a:r>
-              <a:rPr lang="en-US" altLang="zh-CN"/>
-              <a:t>[] selectionArgs</a:t>
-            </a:r>
-            <a:r>
-              <a:rPr lang="en-US" altLang="zh-CN" smtClean="0"/>
+              <a:rPr lang="en-US" altLang="zh-CN" dirty="0"/>
+              <a:t>[] </a:t>
+            </a:r>
+            <a:r>
+              <a:rPr lang="en-US" altLang="zh-CN" dirty="0" err="1"/>
+              <a:t>selectionArgs</a:t>
+            </a:r>
+            <a:r>
+              <a:rPr lang="en-US" altLang="zh-CN" dirty="0" smtClean="0"/>
               <a:t>)</a:t>
             </a:r>
           </a:p>
           <a:p>
             <a:r>
-              <a:rPr lang="en-US" altLang="zh-CN" smtClean="0">
+              <a:rPr lang="en-US" altLang="zh-CN" dirty="0" smtClean="0">
                 <a:solidFill>
                   <a:srgbClr val="00B050"/>
                 </a:solidFill>
@@ -11858,7 +11892,7 @@
               <a:t>//</a:t>
             </a:r>
             <a:r>
-              <a:rPr lang="zh-CN" altLang="en-US" b="0" smtClean="0">
+              <a:rPr lang="zh-CN" altLang="en-US" b="0" dirty="0" smtClean="0">
                 <a:solidFill>
                   <a:srgbClr val="00B050"/>
                 </a:solidFill>
@@ -11866,7 +11900,7 @@
               <a:t> </a:t>
             </a:r>
             <a:r>
-              <a:rPr lang="zh-CN" altLang="en-US" b="0">
+              <a:rPr lang="zh-CN" altLang="en-US" b="0" dirty="0">
                 <a:solidFill>
                   <a:srgbClr val="00B050"/>
                 </a:solidFill>
@@ -11874,7 +11908,7 @@
               <a:t>查询</a:t>
             </a:r>
             <a:r>
-              <a:rPr lang="en-US" altLang="zh-CN" b="0">
+              <a:rPr lang="en-US" altLang="zh-CN" b="0" dirty="0">
                 <a:solidFill>
                   <a:srgbClr val="00B050"/>
                 </a:solidFill>
@@ -11882,7 +11916,7 @@
               <a:t>Uri</a:t>
             </a:r>
             <a:r>
-              <a:rPr lang="zh-CN" altLang="en-US" b="0">
+              <a:rPr lang="zh-CN" altLang="en-US" b="0" dirty="0">
                 <a:solidFill>
                   <a:srgbClr val="00B050"/>
                 </a:solidFill>
@@ -11890,7 +11924,7 @@
               <a:t>对应的</a:t>
             </a:r>
             <a:r>
-              <a:rPr lang="en-US" altLang="zh-CN" b="0">
+              <a:rPr lang="en-US" altLang="zh-CN" b="0" dirty="0" err="1">
                 <a:solidFill>
                   <a:srgbClr val="00B050"/>
                 </a:solidFill>
@@ -11898,7 +11932,7 @@
               <a:t>ContentProvider</a:t>
             </a:r>
             <a:r>
-              <a:rPr lang="zh-CN" altLang="en-US" b="0">
+              <a:rPr lang="zh-CN" altLang="en-US" b="0" dirty="0">
                 <a:solidFill>
                   <a:srgbClr val="00B050"/>
                 </a:solidFill>
@@ -11906,7 +11940,7 @@
               <a:t>中</a:t>
             </a:r>
             <a:r>
-              <a:rPr lang="en-US" altLang="zh-CN" b="0">
+              <a:rPr lang="en-US" altLang="zh-CN" b="0" dirty="0" smtClean="0">
                 <a:solidFill>
                   <a:srgbClr val="00B050"/>
                 </a:solidFill>
@@ -11914,22 +11948,38 @@
               <a:t>where</a:t>
             </a:r>
             <a:r>
-              <a:rPr lang="zh-CN" altLang="en-US" b="0">
+              <a:rPr lang="zh-CN" altLang="en-US" b="0" dirty="0">
                 <a:solidFill>
                   <a:srgbClr val="00B050"/>
                 </a:solidFill>
               </a:rPr>
-              <a:t>提交匹配的</a:t>
-            </a:r>
-            <a:r>
-              <a:rPr lang="zh-CN" altLang="en-US" b="0" smtClean="0">
+              <a:t>条件</a:t>
+            </a:r>
+            <a:r>
+              <a:rPr lang="zh-CN" altLang="en-US" b="0" dirty="0" smtClean="0">
                 <a:solidFill>
                   <a:srgbClr val="00B050"/>
                 </a:solidFill>
               </a:rPr>
+              <a:t>匹配</a:t>
+            </a:r>
+            <a:r>
+              <a:rPr lang="zh-CN" altLang="en-US" b="0" dirty="0">
+                <a:solidFill>
+                  <a:srgbClr val="00B050"/>
+                </a:solidFill>
+              </a:rPr>
+              <a:t>的</a:t>
+            </a:r>
+            <a:r>
+              <a:rPr lang="zh-CN" altLang="en-US" b="0" dirty="0" smtClean="0">
+                <a:solidFill>
+                  <a:srgbClr val="00B050"/>
+                </a:solidFill>
+              </a:rPr>
               <a:t>数据</a:t>
             </a:r>
-            <a:endParaRPr lang="zh-CN" altLang="en-US" b="0">
+            <a:endParaRPr lang="zh-CN" altLang="en-US" b="0" dirty="0">
               <a:solidFill>
                 <a:srgbClr val="00B050"/>
               </a:solidFill>
@@ -11937,26 +11987,46 @@
           </a:p>
           <a:p>
             <a:r>
-              <a:rPr lang="en-US" altLang="zh-CN"/>
-              <a:t>query(Uri uri, String[] projection, String selection, </a:t>
-            </a:r>
-            <a:endParaRPr lang="en-US" altLang="zh-CN" smtClean="0"/>
-          </a:p>
-          <a:p>
-            <a:r>
-              <a:rPr lang="en-US" altLang="zh-CN"/>
+              <a:rPr lang="en-US" altLang="zh-CN" dirty="0"/>
+              <a:t>query(Uri </a:t>
+            </a:r>
+            <a:r>
+              <a:rPr lang="en-US" altLang="zh-CN" dirty="0" err="1"/>
+              <a:t>uri</a:t>
+            </a:r>
+            <a:r>
+              <a:rPr lang="en-US" altLang="zh-CN" dirty="0"/>
+              <a:t>, String[] projection, String selection, </a:t>
+            </a:r>
+            <a:endParaRPr lang="en-US" altLang="zh-CN" dirty="0" smtClean="0"/>
+          </a:p>
+          <a:p>
+            <a:r>
+              <a:rPr lang="en-US" altLang="zh-CN" dirty="0"/>
               <a:t> </a:t>
             </a:r>
             <a:r>
-              <a:rPr lang="en-US" altLang="zh-CN" smtClean="0"/>
+              <a:rPr lang="en-US" altLang="zh-CN" dirty="0" smtClean="0"/>
               <a:t>     String</a:t>
             </a:r>
             <a:r>
-              <a:rPr lang="en-US" altLang="zh-CN"/>
-              <a:t>[] selectionArgs, String sortOrder</a:t>
-            </a:r>
-            <a:r>
-              <a:rPr lang="en-US" altLang="zh-CN" smtClean="0"/>
+              <a:rPr lang="en-US" altLang="zh-CN" dirty="0"/>
+              <a:t>[] </a:t>
+            </a:r>
+            <a:r>
+              <a:rPr lang="en-US" altLang="zh-CN" dirty="0" err="1"/>
+              <a:t>selectionArgs</a:t>
+            </a:r>
+            <a:r>
+              <a:rPr lang="en-US" altLang="zh-CN" dirty="0"/>
+              <a:t>, String </a:t>
+            </a:r>
+            <a:r>
+              <a:rPr lang="en-US" altLang="zh-CN" dirty="0" err="1"/>
+              <a:t>sortOrder</a:t>
+            </a:r>
+            <a:r>
+              <a:rPr lang="en-US" altLang="zh-CN" dirty="0" smtClean="0"/>
               <a:t>)</a:t>
             </a:r>
             <a:endParaRPr lang="zh-CN" altLang="en-US" dirty="0"/>
@@ -12485,18 +12555,14 @@
             </a:r>
             <a:r>
               <a:rPr lang="zh-CN" altLang="en-US" dirty="0"/>
-              <a:t>：管理联系人</a:t>
-            </a:r>
-            <a:r>
-              <a:rPr lang="zh-CN" altLang="en-US"/>
-              <a:t>的</a:t>
-            </a:r>
-            <a:r>
-              <a:rPr lang="en-US" altLang="zh-CN" smtClean="0"/>
+              <a:t>：管理联系人的</a:t>
+            </a:r>
+            <a:r>
+              <a:rPr lang="en-US" altLang="zh-CN" dirty="0" smtClean="0"/>
               <a:t>Uri</a:t>
             </a:r>
             <a:r>
-              <a:rPr lang="zh-CN" altLang="en-US" smtClean="0"/>
+              <a:rPr lang="zh-CN" altLang="en-US" dirty="0" smtClean="0"/>
               <a:t>。</a:t>
             </a:r>
             <a:endParaRPr lang="en-US" altLang="zh-CN" dirty="0"/>
@@ -12509,18 +12575,14 @@
             </a:r>
             <a:r>
               <a:rPr lang="zh-CN" altLang="en-US" dirty="0"/>
-              <a:t>：管理联系人的电话</a:t>
-            </a:r>
-            <a:r>
-              <a:rPr lang="zh-CN" altLang="en-US"/>
-              <a:t>的</a:t>
-            </a:r>
-            <a:r>
-              <a:rPr lang="en-US" altLang="zh-CN" smtClean="0"/>
+              <a:t>：管理联系人的电话的</a:t>
+            </a:r>
+            <a:r>
+              <a:rPr lang="en-US" altLang="zh-CN" dirty="0" smtClean="0"/>
               <a:t>Uri</a:t>
             </a:r>
             <a:r>
-              <a:rPr lang="zh-CN" altLang="en-US" smtClean="0"/>
+              <a:rPr lang="zh-CN" altLang="en-US" dirty="0" smtClean="0"/>
               <a:t>。</a:t>
             </a:r>
             <a:endParaRPr lang="en-US" altLang="zh-CN" dirty="0"/>
@@ -12540,15 +12602,15 @@
               <a:t>Email</a:t>
             </a:r>
             <a:r>
-              <a:rPr lang="zh-CN" altLang="en-US"/>
+              <a:rPr lang="zh-CN" altLang="en-US" dirty="0"/>
               <a:t>的</a:t>
             </a:r>
             <a:r>
-              <a:rPr lang="en-US" altLang="zh-CN" smtClean="0"/>
+              <a:rPr lang="en-US" altLang="zh-CN" dirty="0" smtClean="0"/>
               <a:t>Uri</a:t>
             </a:r>
             <a:r>
-              <a:rPr lang="zh-CN" altLang="en-US" smtClean="0"/>
+              <a:rPr lang="zh-CN" altLang="en-US" dirty="0" smtClean="0"/>
               <a:t>。</a:t>
             </a:r>
             <a:endParaRPr lang="en-US" altLang="zh-CN" dirty="0"/>
@@ -14080,32 +14142,36 @@
           </a:p>
           <a:p>
             <a:r>
-              <a:rPr lang="en-US" altLang="zh-CN"/>
+              <a:rPr lang="en-US" altLang="zh-CN" dirty="0"/>
               <a:t> </a:t>
             </a:r>
             <a:r>
-              <a:rPr lang="en-US" altLang="zh-CN" smtClean="0"/>
-              <a:t>   ContactsContract.Contacts.CONTENT_URI</a:t>
-            </a:r>
-            <a:r>
-              <a:rPr lang="en-US" altLang="zh-CN"/>
-              <a:t>, </a:t>
-            </a:r>
-            <a:endParaRPr lang="en-US" altLang="zh-CN" smtClean="0"/>
-          </a:p>
-          <a:p>
-            <a:r>
-              <a:rPr lang="en-US" altLang="zh-CN"/>
-              <a:t> </a:t>
-            </a:r>
-            <a:r>
-              <a:rPr lang="en-US" altLang="zh-CN" smtClean="0"/>
-              <a:t>   null</a:t>
+              <a:rPr lang="en-US" altLang="zh-CN" dirty="0" smtClean="0"/>
+              <a:t>   </a:t>
+            </a:r>
+            <a:r>
+              <a:rPr lang="en-US" altLang="zh-CN" dirty="0" err="1" smtClean="0"/>
+              <a:t>ContactsContract.Contacts.CONTENT_URI</a:t>
             </a:r>
             <a:r>
               <a:rPr lang="en-US" altLang="zh-CN" dirty="0"/>
               <a:t>, </a:t>
             </a:r>
+            <a:endParaRPr lang="en-US" altLang="zh-CN" dirty="0" smtClean="0"/>
+          </a:p>
+          <a:p>
+            <a:r>
+              <a:rPr lang="en-US" altLang="zh-CN" dirty="0"/>
+              <a:t> </a:t>
+            </a:r>
+            <a:r>
+              <a:rPr lang="en-US" altLang="zh-CN" dirty="0" smtClean="0"/>
+              <a:t>   null</a:t>
+            </a:r>
+            <a:r>
+              <a:rPr lang="en-US" altLang="zh-CN" dirty="0"/>
+              <a:t>, </a:t>
+            </a:r>
             <a:r>
               <a:rPr lang="en-US" altLang="zh-CN" dirty="0" err="1"/>
               <a:t>null,null</a:t>
@@ -14117,56 +14183,57 @@
           </a:p>
           <a:p>
             <a:r>
+              <a:rPr lang="en-US" altLang="zh-CN" dirty="0" smtClean="0"/>
+              <a:t>do{</a:t>
+            </a:r>
+            <a:endParaRPr lang="en-US" altLang="zh-CN" dirty="0"/>
+          </a:p>
+          <a:p>
+            <a:r>
+              <a:rPr lang="en-US" altLang="zh-CN" dirty="0" smtClean="0"/>
+              <a:t>    String </a:t>
+            </a:r>
+            <a:r>
               <a:rPr lang="en-US" altLang="zh-CN" dirty="0"/>
-              <a:t>while (</a:t>
+              <a:t>str = </a:t>
+            </a:r>
+            <a:r>
+              <a:rPr lang="en-US" altLang="zh-CN" dirty="0" smtClean="0"/>
+              <a:t>cur.getString(cur.getColumnIndex(</a:t>
+            </a:r>
+          </a:p>
+          <a:p>
+            <a:r>
+              <a:rPr lang="en-US" altLang="zh-CN" dirty="0" smtClean="0"/>
+              <a:t>            ContactsContract.Contacts.DISPLAY_NAME</a:t>
+            </a:r>
+            <a:r>
+              <a:rPr lang="en-US" altLang="zh-CN" dirty="0"/>
+              <a:t>));</a:t>
+            </a:r>
+          </a:p>
+          <a:p>
+            <a:r>
+              <a:rPr lang="en-US" altLang="zh-CN" dirty="0" smtClean="0"/>
+              <a:t>    Log.e</a:t>
+            </a:r>
+            <a:r>
+              <a:rPr lang="en-US" altLang="zh-CN" dirty="0"/>
+              <a:t>("Name", str);</a:t>
+            </a:r>
+          </a:p>
+          <a:p>
+            <a:r>
+              <a:rPr lang="en-US" altLang="zh-CN" dirty="0"/>
+              <a:t>} while (</a:t>
             </a:r>
             <a:r>
               <a:rPr lang="en-US" altLang="zh-CN" dirty="0" err="1"/>
               <a:t>cur.moveToNext</a:t>
             </a:r>
             <a:r>
-              <a:rPr lang="en-US" altLang="zh-CN" dirty="0"/>
-              <a:t>()) {</a:t>
-            </a:r>
-          </a:p>
-          <a:p>
-            <a:r>
               <a:rPr lang="en-US" altLang="zh-CN" dirty="0" smtClean="0"/>
-              <a:t>    String </a:t>
-            </a:r>
-            <a:r>
-              <a:rPr lang="en-US" altLang="zh-CN" dirty="0"/>
-              <a:t>str = </a:t>
-            </a:r>
-            <a:r>
-              <a:rPr lang="en-US" altLang="zh-CN" dirty="0" smtClean="0"/>
-              <a:t>cur.getString(cur.getColumnIndex(</a:t>
-            </a:r>
-          </a:p>
-          <a:p>
-            <a:r>
-              <a:rPr lang="en-US" altLang="zh-CN" dirty="0" smtClean="0"/>
-              <a:t>            ContactsContract.Contacts.DISPLAY_NAME</a:t>
-            </a:r>
-            <a:r>
-              <a:rPr lang="en-US" altLang="zh-CN" dirty="0"/>
-              <a:t>));</a:t>
-            </a:r>
-          </a:p>
-          <a:p>
-            <a:r>
-              <a:rPr lang="en-US" altLang="zh-CN" dirty="0" smtClean="0"/>
-              <a:t>    Log.e</a:t>
-            </a:r>
-            <a:r>
-              <a:rPr lang="en-US" altLang="zh-CN" dirty="0"/>
-              <a:t>("Name", str);</a:t>
-            </a:r>
-          </a:p>
-          <a:p>
-            <a:r>
-              <a:rPr lang="en-US" altLang="zh-CN" dirty="0"/>
-              <a:t>}</a:t>
+              <a:t>()); </a:t>
             </a:r>
             <a:endParaRPr lang="zh-CN" altLang="en-US" dirty="0"/>
           </a:p>
@@ -19609,18 +19676,10 @@
                   <a:srgbClr val="C00000"/>
                 </a:solidFill>
               </a:rPr>
-              <a:t>vnd.android.cursor.item</a:t>
-            </a:r>
-            <a:r>
-              <a:rPr lang="en-US" altLang="zh-CN" smtClean="0">
-                <a:solidFill>
-                  <a:srgbClr val="C00000"/>
-                </a:solidFill>
-              </a:rPr>
-              <a:t>/</a:t>
-            </a:r>
-            <a:r>
-              <a:rPr lang="zh-CN" altLang="en-US" smtClean="0">
+              <a:t>vnd.android.cursor.item/</a:t>
+            </a:r>
+            <a:r>
+              <a:rPr lang="zh-CN" altLang="en-US" dirty="0" smtClean="0">
                 <a:solidFill>
                   <a:schemeClr val="tx1">
                     <a:lumMod val="85000"/>
@@ -19727,18 +19786,7 @@
                   </a:schemeClr>
                 </a:solidFill>
               </a:rPr>
-              <a:t>直接操作数据，实现</a:t>
-            </a:r>
-            <a:r>
-              <a:rPr lang="zh-CN" altLang="en-US" smtClean="0">
-                <a:solidFill>
-                  <a:schemeClr val="tx1">
-                    <a:lumMod val="85000"/>
-                    <a:lumOff val="15000"/>
-                  </a:schemeClr>
-                </a:solidFill>
-              </a:rPr>
-              <a:t>其方法。</a:t>
+              <a:t>直接操作数据，实现其方法。</a:t>
             </a:r>
             <a:endParaRPr lang="en-US" altLang="zh-CN" dirty="0">
               <a:solidFill>
@@ -27747,8 +27795,8 @@
         </p:nvSpPr>
         <p:spPr>
           <a:xfrm>
-            <a:off x="1142587" y="3212976"/>
-            <a:ext cx="10081120" cy="2304256"/>
+            <a:off x="839416" y="3212976"/>
+            <a:ext cx="10714054" cy="2304256"/>
           </a:xfrm>
           <a:prstGeom prst="rect">
             <a:avLst/>
@@ -27799,7 +27847,7 @@
               <a:defRPr/>
             </a:pPr>
             <a:r>
-              <a:rPr lang="en-US" altLang="zh-CN" sz="2400" b="1">
+              <a:rPr lang="en-US" altLang="zh-CN" sz="2400" b="1" dirty="0" err="1">
                 <a:solidFill>
                   <a:schemeClr val="tx1">
                     <a:lumMod val="85000"/>
@@ -27809,7 +27857,46 @@
                 <a:latin typeface="Consolas" panose="020B0609020204030204" pitchFamily="49" charset="0"/>
                 <a:ea typeface="微软雅黑" panose="020B0503020204020204" pitchFamily="34" charset="-122"/>
               </a:rPr>
-              <a:t>boolean onCreate()</a:t>
+              <a:t>boolean</a:t>
+            </a:r>
+            <a:r>
+              <a:rPr lang="en-US" altLang="zh-CN" sz="2400" b="1" dirty="0">
+                <a:solidFill>
+                  <a:schemeClr val="tx1">
+                    <a:lumMod val="85000"/>
+                    <a:lumOff val="15000"/>
+                  </a:schemeClr>
+                </a:solidFill>
+                <a:latin typeface="Consolas" panose="020B0609020204030204" pitchFamily="49" charset="0"/>
+                <a:ea typeface="微软雅黑" panose="020B0503020204020204" pitchFamily="34" charset="-122"/>
+              </a:rPr>
+              <a:t> </a:t>
+            </a:r>
+            <a:r>
+              <a:rPr lang="en-US" altLang="zh-CN" sz="2400" b="1" dirty="0" err="1">
+                <a:solidFill>
+                  <a:schemeClr val="tx1">
+                    <a:lumMod val="85000"/>
+                    <a:lumOff val="15000"/>
+                  </a:schemeClr>
+                </a:solidFill>
+                <a:latin typeface="Consolas" panose="020B0609020204030204" pitchFamily="49" charset="0"/>
+                <a:ea typeface="微软雅黑" panose="020B0503020204020204" pitchFamily="34" charset="-122"/>
+              </a:rPr>
+              <a:t>onCreate</a:t>
+            </a:r>
+            <a:r>
+              <a:rPr lang="en-US" altLang="zh-CN" sz="2400" b="1" dirty="0">
+                <a:solidFill>
+                  <a:schemeClr val="tx1">
+                    <a:lumMod val="85000"/>
+                    <a:lumOff val="15000"/>
+                  </a:schemeClr>
+                </a:solidFill>
+                <a:latin typeface="Consolas" panose="020B0609020204030204" pitchFamily="49" charset="0"/>
+                <a:ea typeface="微软雅黑" panose="020B0503020204020204" pitchFamily="34" charset="-122"/>
+              </a:rPr>
+              <a:t>()</a:t>
             </a:r>
           </a:p>
           <a:p>
@@ -27817,7 +27904,7 @@
               <a:defRPr/>
             </a:pPr>
             <a:r>
-              <a:rPr lang="en-US" altLang="zh-CN" sz="2400" b="1">
+              <a:rPr lang="en-US" altLang="zh-CN" sz="2400" b="1" dirty="0">
                 <a:solidFill>
                   <a:schemeClr val="tx1">
                     <a:lumMod val="85000"/>
@@ -27827,7 +27914,33 @@
                 <a:latin typeface="Consolas" panose="020B0609020204030204" pitchFamily="49" charset="0"/>
                 <a:ea typeface="微软雅黑" panose="020B0503020204020204" pitchFamily="34" charset="-122"/>
               </a:rPr>
-              <a:t>Uri insert(uri, values)</a:t>
+              <a:t>Uri insert(</a:t>
+            </a:r>
+            <a:r>
+              <a:rPr lang="en-US" altLang="zh-CN" sz="2400" b="1" dirty="0" err="1">
+                <a:solidFill>
+                  <a:schemeClr val="tx1">
+                    <a:lumMod val="85000"/>
+                    <a:lumOff val="15000"/>
+                  </a:schemeClr>
+                </a:solidFill>
+                <a:latin typeface="Consolas" panose="020B0609020204030204" pitchFamily="49" charset="0"/>
+                <a:ea typeface="微软雅黑" panose="020B0503020204020204" pitchFamily="34" charset="-122"/>
+              </a:rPr>
+              <a:t>uri</a:t>
+            </a:r>
+            <a:r>
+              <a:rPr lang="en-US" altLang="zh-CN" sz="2400" b="1" dirty="0">
+                <a:solidFill>
+                  <a:schemeClr val="tx1">
+                    <a:lumMod val="85000"/>
+                    <a:lumOff val="15000"/>
+                  </a:schemeClr>
+                </a:solidFill>
+                <a:latin typeface="Consolas" panose="020B0609020204030204" pitchFamily="49" charset="0"/>
+                <a:ea typeface="微软雅黑" panose="020B0503020204020204" pitchFamily="34" charset="-122"/>
+              </a:rPr>
+              <a:t>, values)</a:t>
             </a:r>
           </a:p>
           <a:p>
@@ -27835,7 +27948,7 @@
               <a:defRPr/>
             </a:pPr>
             <a:r>
-              <a:rPr lang="en-US" altLang="zh-CN" sz="2400" b="1">
+              <a:rPr lang="en-US" altLang="zh-CN" sz="2400" b="1" dirty="0" err="1">
                 <a:solidFill>
                   <a:schemeClr val="tx1">
                     <a:lumMod val="85000"/>
@@ -27845,7 +27958,72 @@
                 <a:latin typeface="Consolas" panose="020B0609020204030204" pitchFamily="49" charset="0"/>
                 <a:ea typeface="微软雅黑" panose="020B0503020204020204" pitchFamily="34" charset="-122"/>
               </a:rPr>
-              <a:t>int delete(uri, selection, selectionargs)</a:t>
+              <a:t>int</a:t>
+            </a:r>
+            <a:r>
+              <a:rPr lang="en-US" altLang="zh-CN" sz="2400" b="1" dirty="0">
+                <a:solidFill>
+                  <a:schemeClr val="tx1">
+                    <a:lumMod val="85000"/>
+                    <a:lumOff val="15000"/>
+                  </a:schemeClr>
+                </a:solidFill>
+                <a:latin typeface="Consolas" panose="020B0609020204030204" pitchFamily="49" charset="0"/>
+                <a:ea typeface="微软雅黑" panose="020B0503020204020204" pitchFamily="34" charset="-122"/>
+              </a:rPr>
+              <a:t> delete(</a:t>
+            </a:r>
+            <a:r>
+              <a:rPr lang="en-US" altLang="zh-CN" sz="2400" b="1" dirty="0" err="1">
+                <a:solidFill>
+                  <a:schemeClr val="tx1">
+                    <a:lumMod val="85000"/>
+                    <a:lumOff val="15000"/>
+                  </a:schemeClr>
+                </a:solidFill>
+                <a:latin typeface="Consolas" panose="020B0609020204030204" pitchFamily="49" charset="0"/>
+                <a:ea typeface="微软雅黑" panose="020B0503020204020204" pitchFamily="34" charset="-122"/>
+              </a:rPr>
+              <a:t>uri</a:t>
+            </a:r>
+            <a:r>
+              <a:rPr lang="en-US" altLang="zh-CN" sz="2400" b="1" dirty="0">
+                <a:solidFill>
+                  <a:schemeClr val="tx1">
+                    <a:lumMod val="85000"/>
+                    <a:lumOff val="15000"/>
+                  </a:schemeClr>
+                </a:solidFill>
+                <a:latin typeface="Consolas" panose="020B0609020204030204" pitchFamily="49" charset="0"/>
+                <a:ea typeface="微软雅黑" panose="020B0503020204020204" pitchFamily="34" charset="-122"/>
+              </a:rPr>
+              <a:t>, selection, </a:t>
+            </a:r>
+            <a:r>
+              <a:rPr lang="en-US" altLang="zh-CN" sz="2400" b="1" dirty="0" err="1">
+                <a:solidFill>
+                  <a:schemeClr val="tx1">
+                    <a:lumMod val="85000"/>
+                    <a:lumOff val="15000"/>
+                  </a:schemeClr>
+                </a:solidFill>
+                <a:latin typeface="Consolas" panose="020B0609020204030204" pitchFamily="49" charset="0"/>
+                <a:ea typeface="微软雅黑" panose="020B0503020204020204" pitchFamily="34" charset="-122"/>
+              </a:rPr>
+              <a:t>selectionargs</a:t>
+            </a:r>
+            <a:r>
+              <a:rPr lang="en-US" altLang="zh-CN" sz="2400" b="1" dirty="0">
+                <a:solidFill>
+                  <a:schemeClr val="tx1">
+                    <a:lumMod val="85000"/>
+                    <a:lumOff val="15000"/>
+                  </a:schemeClr>
+                </a:solidFill>
+                <a:latin typeface="Consolas" panose="020B0609020204030204" pitchFamily="49" charset="0"/>
+                <a:ea typeface="微软雅黑" panose="020B0503020204020204" pitchFamily="34" charset="-122"/>
+              </a:rPr>
+              <a:t>)</a:t>
             </a:r>
           </a:p>
           <a:p>
@@ -27853,7 +28031,7 @@
               <a:defRPr/>
             </a:pPr>
             <a:r>
-              <a:rPr lang="en-US" altLang="zh-CN" sz="2400" b="1">
+              <a:rPr lang="en-US" altLang="zh-CN" sz="2400" b="1" dirty="0" err="1">
                 <a:solidFill>
                   <a:schemeClr val="tx1">
                     <a:lumMod val="85000"/>
@@ -27863,7 +28041,72 @@
                 <a:latin typeface="Consolas" panose="020B0609020204030204" pitchFamily="49" charset="0"/>
                 <a:ea typeface="微软雅黑" panose="020B0503020204020204" pitchFamily="34" charset="-122"/>
               </a:rPr>
-              <a:t>int update(uri, values, selection, selectionargs)</a:t>
+              <a:t>int</a:t>
+            </a:r>
+            <a:r>
+              <a:rPr lang="en-US" altLang="zh-CN" sz="2400" b="1" dirty="0">
+                <a:solidFill>
+                  <a:schemeClr val="tx1">
+                    <a:lumMod val="85000"/>
+                    <a:lumOff val="15000"/>
+                  </a:schemeClr>
+                </a:solidFill>
+                <a:latin typeface="Consolas" panose="020B0609020204030204" pitchFamily="49" charset="0"/>
+                <a:ea typeface="微软雅黑" panose="020B0503020204020204" pitchFamily="34" charset="-122"/>
+              </a:rPr>
+              <a:t> update(</a:t>
+            </a:r>
+            <a:r>
+              <a:rPr lang="en-US" altLang="zh-CN" sz="2400" b="1" dirty="0" err="1">
+                <a:solidFill>
+                  <a:schemeClr val="tx1">
+                    <a:lumMod val="85000"/>
+                    <a:lumOff val="15000"/>
+                  </a:schemeClr>
+                </a:solidFill>
+                <a:latin typeface="Consolas" panose="020B0609020204030204" pitchFamily="49" charset="0"/>
+                <a:ea typeface="微软雅黑" panose="020B0503020204020204" pitchFamily="34" charset="-122"/>
+              </a:rPr>
+              <a:t>uri</a:t>
+            </a:r>
+            <a:r>
+              <a:rPr lang="en-US" altLang="zh-CN" sz="2400" b="1" dirty="0">
+                <a:solidFill>
+                  <a:schemeClr val="tx1">
+                    <a:lumMod val="85000"/>
+                    <a:lumOff val="15000"/>
+                  </a:schemeClr>
+                </a:solidFill>
+                <a:latin typeface="Consolas" panose="020B0609020204030204" pitchFamily="49" charset="0"/>
+                <a:ea typeface="微软雅黑" panose="020B0503020204020204" pitchFamily="34" charset="-122"/>
+              </a:rPr>
+              <a:t>, values, selection, </a:t>
+            </a:r>
+            <a:r>
+              <a:rPr lang="en-US" altLang="zh-CN" sz="2400" b="1" dirty="0" err="1">
+                <a:solidFill>
+                  <a:schemeClr val="tx1">
+                    <a:lumMod val="85000"/>
+                    <a:lumOff val="15000"/>
+                  </a:schemeClr>
+                </a:solidFill>
+                <a:latin typeface="Consolas" panose="020B0609020204030204" pitchFamily="49" charset="0"/>
+                <a:ea typeface="微软雅黑" panose="020B0503020204020204" pitchFamily="34" charset="-122"/>
+              </a:rPr>
+              <a:t>selectionargs</a:t>
+            </a:r>
+            <a:r>
+              <a:rPr lang="en-US" altLang="zh-CN" sz="2400" b="1" dirty="0">
+                <a:solidFill>
+                  <a:schemeClr val="tx1">
+                    <a:lumMod val="85000"/>
+                    <a:lumOff val="15000"/>
+                  </a:schemeClr>
+                </a:solidFill>
+                <a:latin typeface="Consolas" panose="020B0609020204030204" pitchFamily="49" charset="0"/>
+                <a:ea typeface="微软雅黑" panose="020B0503020204020204" pitchFamily="34" charset="-122"/>
+              </a:rPr>
+              <a:t>)</a:t>
             </a:r>
           </a:p>
           <a:p>
@@ -27871,7 +28114,7 @@
               <a:defRPr/>
             </a:pPr>
             <a:r>
-              <a:rPr lang="en-US" altLang="zh-CN" sz="2400" b="1">
+              <a:rPr lang="en-US" altLang="zh-CN" sz="2400" b="1" dirty="0">
                 <a:solidFill>
                   <a:schemeClr val="tx1">
                     <a:lumMod val="85000"/>
@@ -27881,15 +28124,64 @@
                 <a:latin typeface="Consolas" panose="020B0609020204030204" pitchFamily="49" charset="0"/>
                 <a:ea typeface="微软雅黑" panose="020B0503020204020204" pitchFamily="34" charset="-122"/>
               </a:rPr>
-              <a:t>Cursor query(uri, values,selection,selectionargs,sortorder)</a:t>
-            </a:r>
+              <a:t>Cursor </a:t>
+            </a:r>
+            <a:r>
+              <a:rPr lang="en-US" altLang="zh-CN" sz="2400" b="1" dirty="0" smtClean="0">
+                <a:solidFill>
+                  <a:schemeClr val="tx1">
+                    <a:lumMod val="85000"/>
+                    <a:lumOff val="15000"/>
+                  </a:schemeClr>
+                </a:solidFill>
+                <a:latin typeface="Consolas" panose="020B0609020204030204" pitchFamily="49" charset="0"/>
+                <a:ea typeface="微软雅黑" panose="020B0503020204020204" pitchFamily="34" charset="-122"/>
+              </a:rPr>
+              <a:t>query(</a:t>
+            </a:r>
+            <a:r>
+              <a:rPr lang="en-US" altLang="zh-CN" sz="2400" b="1" dirty="0" err="1" smtClean="0">
+                <a:solidFill>
+                  <a:schemeClr val="tx1">
+                    <a:lumMod val="85000"/>
+                    <a:lumOff val="15000"/>
+                  </a:schemeClr>
+                </a:solidFill>
+                <a:latin typeface="Consolas" panose="020B0609020204030204" pitchFamily="49" charset="0"/>
+                <a:ea typeface="微软雅黑" panose="020B0503020204020204" pitchFamily="34" charset="-122"/>
+              </a:rPr>
+              <a:t>uri,projection,selection,selectionargs,sortorder</a:t>
+            </a:r>
+            <a:r>
+              <a:rPr lang="en-US" altLang="zh-CN" sz="2400" b="1" dirty="0" smtClean="0">
+                <a:solidFill>
+                  <a:schemeClr val="tx1">
+                    <a:lumMod val="85000"/>
+                    <a:lumOff val="15000"/>
+                  </a:schemeClr>
+                </a:solidFill>
+                <a:latin typeface="Consolas" panose="020B0609020204030204" pitchFamily="49" charset="0"/>
+                <a:ea typeface="微软雅黑" panose="020B0503020204020204" pitchFamily="34" charset="-122"/>
+              </a:rPr>
+              <a:t>)</a:t>
+            </a:r>
+            <a:endParaRPr lang="en-US" altLang="zh-CN" sz="2400" b="1" dirty="0">
+              <a:solidFill>
+                <a:schemeClr val="tx1">
+                  <a:lumMod val="85000"/>
+                  <a:lumOff val="15000"/>
+                </a:schemeClr>
+              </a:solidFill>
+              <a:latin typeface="Consolas" panose="020B0609020204030204" pitchFamily="49" charset="0"/>
+              <a:ea typeface="微软雅黑" panose="020B0503020204020204" pitchFamily="34" charset="-122"/>
+            </a:endParaRPr>
           </a:p>
           <a:p>
             <a:pPr eaLnBrk="0">
               <a:defRPr/>
             </a:pPr>
             <a:r>
-              <a:rPr lang="en-US" altLang="zh-CN" sz="2400" b="1">
+              <a:rPr lang="en-US" altLang="zh-CN" sz="2400" b="1" dirty="0">
                 <a:solidFill>
                   <a:schemeClr val="tx1">
                     <a:lumMod val="85000"/>
@@ -27899,7 +28191,59 @@
                 <a:latin typeface="Consolas" panose="020B0609020204030204" pitchFamily="49" charset="0"/>
                 <a:ea typeface="微软雅黑" panose="020B0503020204020204" pitchFamily="34" charset="-122"/>
               </a:rPr>
-              <a:t>String getType(uri)</a:t>
+              <a:t>String </a:t>
+            </a:r>
+            <a:r>
+              <a:rPr lang="en-US" altLang="zh-CN" sz="2400" b="1" dirty="0" err="1">
+                <a:solidFill>
+                  <a:schemeClr val="tx1">
+                    <a:lumMod val="85000"/>
+                    <a:lumOff val="15000"/>
+                  </a:schemeClr>
+                </a:solidFill>
+                <a:latin typeface="Consolas" panose="020B0609020204030204" pitchFamily="49" charset="0"/>
+                <a:ea typeface="微软雅黑" panose="020B0503020204020204" pitchFamily="34" charset="-122"/>
+              </a:rPr>
+              <a:t>getType</a:t>
+            </a:r>
+            <a:r>
+              <a:rPr lang="en-US" altLang="zh-CN" sz="2400" b="1" dirty="0">
+                <a:solidFill>
+                  <a:schemeClr val="tx1">
+                    <a:lumMod val="85000"/>
+                    <a:lumOff val="15000"/>
+                  </a:schemeClr>
+                </a:solidFill>
+                <a:latin typeface="Consolas" panose="020B0609020204030204" pitchFamily="49" charset="0"/>
+                <a:ea typeface="微软雅黑" panose="020B0503020204020204" pitchFamily="34" charset="-122"/>
+              </a:rPr>
+              <a:t>(</a:t>
+            </a:r>
+            <a:r>
+              <a:rPr lang="en-US" altLang="zh-CN" sz="2400" b="1" dirty="0" err="1">
+                <a:solidFill>
+                  <a:schemeClr val="tx1">
+                    <a:lumMod val="85000"/>
+                    <a:lumOff val="15000"/>
+                  </a:schemeClr>
+                </a:solidFill>
+                <a:latin typeface="Consolas" panose="020B0609020204030204" pitchFamily="49" charset="0"/>
+                <a:ea typeface="微软雅黑" panose="020B0503020204020204" pitchFamily="34" charset="-122"/>
+              </a:rPr>
+              <a:t>uri</a:t>
+            </a:r>
+            <a:r>
+              <a:rPr lang="en-US" altLang="zh-CN" sz="2400" b="1" dirty="0">
+                <a:solidFill>
+                  <a:schemeClr val="tx1">
+                    <a:lumMod val="85000"/>
+                    <a:lumOff val="15000"/>
+                  </a:schemeClr>
+                </a:solidFill>
+                <a:latin typeface="Consolas" panose="020B0609020204030204" pitchFamily="49" charset="0"/>
+                <a:ea typeface="微软雅黑" panose="020B0503020204020204" pitchFamily="34" charset="-122"/>
+              </a:rPr>
+              <a:t>)</a:t>
             </a:r>
           </a:p>
         </p:txBody>
